--- a/wiki/数据结构与算法入门分享.pptx
+++ b/wiki/数据结构与算法入门分享.pptx
@@ -6491,24 +6491,6 @@
       <p:grpSpPr/>
       <p:sp>
         <p:nvSpPr>
-          <p:cNvPr id="3" name="内容占位符 2"/>
-          <p:cNvSpPr>
-            <a:spLocks noGrp="1"/>
-          </p:cNvSpPr>
-          <p:nvPr>
-            <p:ph idx="1"/>
-          </p:nvPr>
-        </p:nvSpPr>
-        <p:spPr/>
-        <p:txBody>
-          <a:bodyPr/>
-          <a:p>
-            <a:endParaRPr lang="zh-CN" altLang="en-US"/>
-          </a:p>
-        </p:txBody>
-      </p:sp>
-      <p:sp>
-        <p:nvSpPr>
           <p:cNvPr id="8" name="标题 7"/>
           <p:cNvSpPr>
             <a:spLocks noGrp="1"/>
@@ -6534,6 +6516,277 @@
               <a:t>常见数据结构介绍</a:t>
             </a:r>
             <a:endParaRPr lang="zh-CN" altLang="en-US" sz="2800"/>
+          </a:p>
+        </p:txBody>
+      </p:sp>
+      <p:sp>
+        <p:nvSpPr>
+          <p:cNvPr id="4" name="TextBox 3"/>
+          <p:cNvSpPr txBox="1"/>
+          <p:nvPr/>
+        </p:nvSpPr>
+        <p:spPr>
+          <a:xfrm>
+            <a:off x="104775" y="841375"/>
+            <a:ext cx="11184255" cy="3691890"/>
+          </a:xfrm>
+          <a:prstGeom prst="rect">
+            <a:avLst/>
+          </a:prstGeom>
+        </p:spPr>
+        <p:txBody>
+          <a:bodyPr wrap="square" lIns="127000" tIns="63500" rIns="127000" bIns="63500" rtlCol="0" anchor="t">
+            <a:spAutoFit/>
+          </a:bodyPr>
+          <a:p>
+            <a:pPr algn="l">
+              <a:lnSpc>
+                <a:spcPct val="116000"/>
+              </a:lnSpc>
+            </a:pPr>
+            <a:r>
+              <a:rPr lang="zh-CN" altLang="en-US" sz="2000">
+                <a:latin typeface="+mn-ea"/>
+                <a:cs typeface="+mn-ea"/>
+              </a:rPr>
+              <a:t>常见线性数据结构：数组、队列、链表、栈</a:t>
+            </a:r>
+            <a:endParaRPr lang="zh-CN" altLang="en-US" sz="2000">
+              <a:latin typeface="+mn-ea"/>
+              <a:cs typeface="+mn-ea"/>
+            </a:endParaRPr>
+          </a:p>
+          <a:p>
+            <a:pPr algn="l">
+              <a:lnSpc>
+                <a:spcPct val="116000"/>
+              </a:lnSpc>
+            </a:pPr>
+            <a:r>
+              <a:rPr lang="zh-CN" altLang="en-US" sz="2000">
+                <a:latin typeface="+mn-ea"/>
+                <a:cs typeface="+mn-ea"/>
+              </a:rPr>
+              <a:t>特点：</a:t>
+            </a:r>
+            <a:r>
+              <a:rPr lang="en-US" altLang="zh-CN" sz="2000">
+                <a:latin typeface="+mn-ea"/>
+                <a:cs typeface="+mn-ea"/>
+              </a:rPr>
+              <a:t>1.</a:t>
+            </a:r>
+            <a:r>
+              <a:rPr lang="zh-CN" altLang="en-US" sz="2000">
+                <a:latin typeface="+mn-ea"/>
+                <a:cs typeface="+mn-ea"/>
+              </a:rPr>
+              <a:t>数据元素之前存在一对一的线性关系。</a:t>
+            </a:r>
+            <a:endParaRPr lang="zh-CN" altLang="en-US" sz="2000">
+              <a:latin typeface="+mn-ea"/>
+              <a:cs typeface="+mn-ea"/>
+            </a:endParaRPr>
+          </a:p>
+          <a:p>
+            <a:pPr algn="l">
+              <a:lnSpc>
+                <a:spcPct val="116000"/>
+              </a:lnSpc>
+            </a:pPr>
+            <a:r>
+              <a:rPr lang="en-US" altLang="zh-CN" sz="2000">
+                <a:latin typeface="+mn-ea"/>
+                <a:cs typeface="+mn-ea"/>
+              </a:rPr>
+              <a:t>2.</a:t>
+            </a:r>
+            <a:r>
+              <a:rPr lang="zh-CN" altLang="en-US" sz="2000">
+                <a:latin typeface="+mn-ea"/>
+                <a:cs typeface="+mn-ea"/>
+              </a:rPr>
+              <a:t>一般有两种存储结构，顺序存储结构（数组）和链式存储结构（链表）。</a:t>
+            </a:r>
+            <a:endParaRPr lang="zh-CN" altLang="en-US" sz="2000">
+              <a:latin typeface="+mn-ea"/>
+              <a:cs typeface="+mn-ea"/>
+            </a:endParaRPr>
+          </a:p>
+          <a:p>
+            <a:pPr algn="l">
+              <a:lnSpc>
+                <a:spcPct val="116000"/>
+              </a:lnSpc>
+            </a:pPr>
+            <a:r>
+              <a:rPr lang="en-US" altLang="zh-CN" sz="2000">
+                <a:latin typeface="+mn-ea"/>
+                <a:cs typeface="+mn-ea"/>
+              </a:rPr>
+              <a:t>3.</a:t>
+            </a:r>
+            <a:r>
+              <a:rPr lang="zh-CN" altLang="en-US" sz="2000">
+                <a:latin typeface="+mn-ea"/>
+                <a:cs typeface="+mn-ea"/>
+              </a:rPr>
+              <a:t>顺序存储结构存储的元素是连续的。</a:t>
+            </a:r>
+            <a:endParaRPr lang="zh-CN" altLang="en-US" sz="2000">
+              <a:latin typeface="+mn-ea"/>
+              <a:cs typeface="+mn-ea"/>
+            </a:endParaRPr>
+          </a:p>
+          <a:p>
+            <a:pPr algn="l">
+              <a:lnSpc>
+                <a:spcPct val="116000"/>
+              </a:lnSpc>
+            </a:pPr>
+            <a:r>
+              <a:rPr lang="en-US" altLang="zh-CN" sz="2000">
+                <a:latin typeface="+mn-ea"/>
+                <a:cs typeface="+mn-ea"/>
+              </a:rPr>
+              <a:t>4.</a:t>
+            </a:r>
+            <a:r>
+              <a:rPr lang="zh-CN" altLang="en-US" sz="2000">
+                <a:latin typeface="+mn-ea"/>
+                <a:cs typeface="+mn-ea"/>
+              </a:rPr>
+              <a:t>链式存储结构存储的元素不一定是连续的，元素节点中存储数据元素和相邻的元素节点地址信息。</a:t>
+            </a:r>
+            <a:endParaRPr lang="zh-CN" altLang="en-US" sz="2000">
+              <a:latin typeface="+mn-ea"/>
+              <a:cs typeface="+mn-ea"/>
+            </a:endParaRPr>
+          </a:p>
+          <a:p>
+            <a:pPr algn="l">
+              <a:lnSpc>
+                <a:spcPct val="116000"/>
+              </a:lnSpc>
+            </a:pPr>
+            <a:r>
+              <a:rPr lang="zh-CN" altLang="en-US" sz="2000">
+                <a:latin typeface="+mn-ea"/>
+                <a:cs typeface="+mn-ea"/>
+              </a:rPr>
+              <a:t>例子：可以在</a:t>
+            </a:r>
+            <a:r>
+              <a:rPr lang="en-US" altLang="zh-CN" sz="2000">
+                <a:latin typeface="+mn-ea"/>
+                <a:cs typeface="+mn-ea"/>
+              </a:rPr>
+              <a:t>jdk</a:t>
+            </a:r>
+            <a:r>
+              <a:rPr lang="zh-CN" altLang="en-US" sz="2000">
+                <a:latin typeface="+mn-ea"/>
+                <a:cs typeface="+mn-ea"/>
+              </a:rPr>
+              <a:t>中搜索 </a:t>
+            </a:r>
+            <a:r>
+              <a:rPr lang="en-US" altLang="zh-CN" sz="2000">
+                <a:latin typeface="+mn-ea"/>
+                <a:cs typeface="+mn-ea"/>
+              </a:rPr>
+              <a:t>Queue </a:t>
+            </a:r>
+            <a:r>
+              <a:rPr lang="zh-CN" altLang="en-US" sz="2000">
+                <a:latin typeface="+mn-ea"/>
+                <a:cs typeface="+mn-ea"/>
+              </a:rPr>
+              <a:t>和 </a:t>
+            </a:r>
+            <a:r>
+              <a:rPr lang="en-US" altLang="zh-CN" sz="2000">
+                <a:latin typeface="+mn-ea"/>
+                <a:cs typeface="+mn-ea"/>
+              </a:rPr>
+              <a:t>Stack</a:t>
+            </a:r>
+            <a:r>
+              <a:rPr lang="zh-CN" altLang="en-US" sz="2000">
+                <a:latin typeface="+mn-ea"/>
+                <a:cs typeface="+mn-ea"/>
+              </a:rPr>
+              <a:t>关键字查看</a:t>
+            </a:r>
+            <a:endParaRPr lang="zh-CN" altLang="en-US" sz="2000">
+              <a:latin typeface="+mn-ea"/>
+              <a:cs typeface="+mn-ea"/>
+            </a:endParaRPr>
+          </a:p>
+          <a:p>
+            <a:pPr algn="l">
+              <a:lnSpc>
+                <a:spcPct val="116000"/>
+              </a:lnSpc>
+            </a:pPr>
+            <a:endParaRPr lang="zh-CN" altLang="en-US" sz="2000">
+              <a:latin typeface="+mn-ea"/>
+              <a:cs typeface="+mn-ea"/>
+            </a:endParaRPr>
+          </a:p>
+          <a:p>
+            <a:pPr algn="l">
+              <a:lnSpc>
+                <a:spcPct val="116000"/>
+              </a:lnSpc>
+            </a:pPr>
+            <a:endParaRPr lang="zh-CN" altLang="en-US" sz="2000">
+              <a:latin typeface="+mn-ea"/>
+              <a:cs typeface="+mn-ea"/>
+            </a:endParaRPr>
+          </a:p>
+          <a:p>
+            <a:pPr algn="l">
+              <a:lnSpc>
+                <a:spcPct val="116000"/>
+              </a:lnSpc>
+            </a:pPr>
+            <a:r>
+              <a:rPr lang="zh-CN" altLang="en-US" sz="2000">
+                <a:latin typeface="+mn-ea"/>
+                <a:cs typeface="+mn-ea"/>
+              </a:rPr>
+              <a:t>常见非线性数据结构：二维数组、多维数组、广义表、树、图</a:t>
+            </a:r>
+            <a:endParaRPr lang="zh-CN" altLang="en-US" sz="2000">
+              <a:latin typeface="+mn-ea"/>
+              <a:cs typeface="+mn-ea"/>
+            </a:endParaRPr>
+          </a:p>
+          <a:p>
+            <a:pPr algn="l">
+              <a:lnSpc>
+                <a:spcPct val="116000"/>
+              </a:lnSpc>
+            </a:pPr>
+            <a:r>
+              <a:rPr lang="zh-CN" altLang="en-US" sz="2000">
+                <a:latin typeface="+mn-ea"/>
+                <a:cs typeface="+mn-ea"/>
+              </a:rPr>
+              <a:t>例子：</a:t>
+            </a:r>
+            <a:r>
+              <a:rPr lang="en-US" altLang="zh-CN" sz="2000">
+                <a:latin typeface="+mn-ea"/>
+                <a:cs typeface="+mn-ea"/>
+              </a:rPr>
+              <a:t>TreeMap</a:t>
+            </a:r>
+            <a:endParaRPr lang="en-US" altLang="zh-CN" sz="2000">
+              <a:latin typeface="+mn-ea"/>
+              <a:cs typeface="+mn-ea"/>
+            </a:endParaRPr>
           </a:p>
         </p:txBody>
       </p:sp>
